--- a/YOLOv3 vs YOLOv4.pptx
+++ b/YOLOv3 vs YOLOv4.pptx
@@ -13,6 +13,8 @@
     <p:sldId id="264" r:id="rId7"/>
     <p:sldId id="265" r:id="rId8"/>
     <p:sldId id="266" r:id="rId9"/>
+    <p:sldId id="267" r:id="rId10"/>
+    <p:sldId id="270" r:id="rId11"/>
   </p:sldIdLst>
   <p:sldSz cx="12192000" cy="6858000"/>
   <p:notesSz cx="6858000" cy="9144000"/>
@@ -124,9 +126,14 @@
             <p14:sldId id="264"/>
             <p14:sldId id="265"/>
             <p14:sldId id="266"/>
+            <p14:sldId id="267"/>
+            <p14:sldId id="270"/>
           </p14:sldIdLst>
         </p14:section>
       </p14:sectionLst>
+    </p:ext>
+    <p:ext uri="{EFAFB233-063F-42B5-8137-9DF3F51BA10A}">
+      <p15:sldGuideLst xmlns:p15="http://schemas.microsoft.com/office/powerpoint/2012/main"/>
     </p:ext>
   </p:extLst>
 </p:presentation>
@@ -406,7 +413,7 @@
           <a:p>
             <a:fld id="{78ABE3C1-DBE1-495D-B57B-2849774B866A}" type="datetimeFigureOut">
               <a:rPr lang="en-US" dirty="0"/>
-              <a:t>1/10/2022</a:t>
+              <a:t>1/11/2022</a:t>
             </a:fld>
             <a:endParaRPr lang="en-US" dirty="0"/>
           </a:p>
@@ -815,7 +822,7 @@
           <a:p>
             <a:fld id="{446C117F-5CCF-4837-BE5F-2B92066CAFAF}" type="datetimeFigureOut">
               <a:rPr lang="en-US" dirty="0"/>
-              <a:t>1/10/2022</a:t>
+              <a:t>1/11/2022</a:t>
             </a:fld>
             <a:endParaRPr lang="en-US" dirty="0"/>
           </a:p>
@@ -1146,7 +1153,7 @@
           <a:p>
             <a:fld id="{84EB90BD-B6CE-46B7-997F-7313B992CCDC}" type="datetimeFigureOut">
               <a:rPr lang="en-US" dirty="0"/>
-              <a:t>1/10/2022</a:t>
+              <a:t>1/11/2022</a:t>
             </a:fld>
             <a:endParaRPr lang="en-US" dirty="0"/>
           </a:p>
@@ -1546,7 +1553,7 @@
           <a:p>
             <a:fld id="{CDB9D11F-B188-461D-B23F-39381795C052}" type="datetimeFigureOut">
               <a:rPr lang="en-US" dirty="0"/>
-              <a:t>1/10/2022</a:t>
+              <a:t>1/11/2022</a:t>
             </a:fld>
             <a:endParaRPr lang="en-US" dirty="0"/>
           </a:p>
@@ -2109,7 +2116,7 @@
           <a:p>
             <a:fld id="{52E6D8D9-55A2-4063-B0F3-121F44549695}" type="datetimeFigureOut">
               <a:rPr lang="en-US" dirty="0"/>
-              <a:t>1/10/2022</a:t>
+              <a:t>1/11/2022</a:t>
             </a:fld>
             <a:endParaRPr lang="en-US" dirty="0"/>
           </a:p>
@@ -2785,7 +2792,7 @@
           <a:p>
             <a:fld id="{D4B24536-994D-4021-A283-9F449C0DB509}" type="datetimeFigureOut">
               <a:rPr lang="en-US" dirty="0"/>
-              <a:t>1/10/2022</a:t>
+              <a:t>1/11/2022</a:t>
             </a:fld>
             <a:endParaRPr lang="en-US" dirty="0"/>
           </a:p>
@@ -3693,7 +3700,7 @@
           <a:p>
             <a:fld id="{3CBBBB78-C96F-47B7-AB17-D852CA960AC9}" type="datetimeFigureOut">
               <a:rPr lang="en-US" dirty="0"/>
-              <a:t>1/10/2022</a:t>
+              <a:t>1/11/2022</a:t>
             </a:fld>
             <a:endParaRPr lang="en-US" dirty="0"/>
           </a:p>
@@ -4001,7 +4008,7 @@
           <a:p>
             <a:fld id="{1FA3F48C-C7C6-4055-9F49-3777875E72AE}" type="datetimeFigureOut">
               <a:rPr lang="en-US" dirty="0"/>
-              <a:t>1/10/2022</a:t>
+              <a:t>1/11/2022</a:t>
             </a:fld>
             <a:endParaRPr lang="en-US" dirty="0"/>
           </a:p>
@@ -4260,7 +4267,7 @@
           <a:p>
             <a:fld id="{6178E61D-D431-422C-9764-11DAFE33AB63}" type="datetimeFigureOut">
               <a:rPr lang="en-US" dirty="0"/>
-              <a:t>1/10/2022</a:t>
+              <a:t>1/11/2022</a:t>
             </a:fld>
             <a:endParaRPr lang="en-US" dirty="0"/>
           </a:p>
@@ -4579,7 +4586,7 @@
           <a:p>
             <a:fld id="{12DE42F4-6EEF-4EF7-8ED4-2208F0F89A08}" type="datetimeFigureOut">
               <a:rPr lang="en-US" dirty="0"/>
-              <a:t>1/10/2022</a:t>
+              <a:t>1/11/2022</a:t>
             </a:fld>
             <a:endParaRPr lang="en-US" dirty="0"/>
           </a:p>
@@ -4963,7 +4970,7 @@
           <a:p>
             <a:fld id="{30578ACC-22D6-47C1-A373-4FD133E34F3C}" type="datetimeFigureOut">
               <a:rPr lang="en-US" dirty="0"/>
-              <a:t>1/10/2022</a:t>
+              <a:t>1/11/2022</a:t>
             </a:fld>
             <a:endParaRPr lang="en-US" dirty="0"/>
           </a:p>
@@ -5334,7 +5341,7 @@
           <a:p>
             <a:fld id="{4E5A6C69-6797-4E8A-BF37-F2C3751466E9}" type="datetimeFigureOut">
               <a:rPr lang="en-US" dirty="0"/>
-              <a:t>1/10/2022</a:t>
+              <a:t>1/11/2022</a:t>
             </a:fld>
             <a:endParaRPr lang="en-US" dirty="0"/>
           </a:p>
@@ -5835,7 +5842,7 @@
           <a:p>
             <a:fld id="{D82014A1-A632-4878-A0D3-F52BA7563730}" type="datetimeFigureOut">
               <a:rPr lang="en-US" dirty="0"/>
-              <a:t>1/10/2022</a:t>
+              <a:t>1/11/2022</a:t>
             </a:fld>
             <a:endParaRPr lang="en-US" dirty="0"/>
           </a:p>
@@ -6087,7 +6094,7 @@
           <a:p>
             <a:fld id="{CE99F462-093F-4566-844B-4C71F2739DA5}" type="datetimeFigureOut">
               <a:rPr lang="en-US" dirty="0"/>
-              <a:t>1/10/2022</a:t>
+              <a:t>1/11/2022</a:t>
             </a:fld>
             <a:endParaRPr lang="en-US" dirty="0"/>
           </a:p>
@@ -6245,7 +6252,7 @@
           <a:p>
             <a:fld id="{3D24A7AC-904D-4781-85BA-7D10C17ED021}" type="datetimeFigureOut">
               <a:rPr lang="en-US" dirty="0"/>
-              <a:t>1/10/2022</a:t>
+              <a:t>1/11/2022</a:t>
             </a:fld>
             <a:endParaRPr lang="en-US" dirty="0"/>
           </a:p>
@@ -6630,7 +6637,7 @@
           <a:p>
             <a:fld id="{E331444B-B92B-4E27-8C94-BB93EAF5CB18}" type="datetimeFigureOut">
               <a:rPr lang="en-US" dirty="0"/>
-              <a:t>1/10/2022</a:t>
+              <a:t>1/11/2022</a:t>
             </a:fld>
             <a:endParaRPr lang="en-US" dirty="0"/>
           </a:p>
@@ -7034,7 +7041,7 @@
           <a:p>
             <a:fld id="{363EFA5E-FA76-400D-B3DC-F0BA90E6D107}" type="datetimeFigureOut">
               <a:rPr lang="en-US" dirty="0"/>
-              <a:t>1/10/2022</a:t>
+              <a:t>1/11/2022</a:t>
             </a:fld>
             <a:endParaRPr lang="en-US" dirty="0"/>
           </a:p>
@@ -7273,7 +7280,7 @@
           <a:p>
             <a:fld id="{9D6E9DEC-419B-4CC5-A080-3B06BD5A8291}" type="datetimeFigureOut">
               <a:rPr lang="en-US" dirty="0"/>
-              <a:t>1/10/2022</a:t>
+              <a:t>1/11/2022</a:t>
             </a:fld>
             <a:endParaRPr lang="en-US" dirty="0"/>
           </a:p>
@@ -7748,6 +7755,128 @@
 </p:sld>
 </file>
 
+<file path=ppt/slides/slide10.xml><?xml version="1.0" encoding="utf-8"?>
+<p:sld xmlns:a="http://schemas.openxmlformats.org/drawingml/2006/main" xmlns:r="http://schemas.openxmlformats.org/officeDocument/2006/relationships" xmlns:p="http://schemas.openxmlformats.org/presentationml/2006/main">
+  <p:cSld>
+    <p:spTree>
+      <p:nvGrpSpPr>
+        <p:cNvPr id="1" name=""/>
+        <p:cNvGrpSpPr/>
+        <p:nvPr/>
+      </p:nvGrpSpPr>
+      <p:grpSpPr>
+        <a:xfrm>
+          <a:off x="0" y="0"/>
+          <a:ext cx="0" cy="0"/>
+          <a:chOff x="0" y="0"/>
+          <a:chExt cx="0" cy="0"/>
+        </a:xfrm>
+      </p:grpSpPr>
+      <p:sp>
+        <p:nvSpPr>
+          <p:cNvPr id="2" name="標題 1">
+            <a:extLst>
+              <a:ext uri="{FF2B5EF4-FFF2-40B4-BE49-F238E27FC236}">
+                <a16:creationId xmlns:a16="http://schemas.microsoft.com/office/drawing/2014/main" id="{8BFEB7FB-9648-4581-BD16-F7BBB446B327}"/>
+              </a:ext>
+            </a:extLst>
+          </p:cNvPr>
+          <p:cNvSpPr>
+            <a:spLocks noGrp="1"/>
+          </p:cNvSpPr>
+          <p:nvPr>
+            <p:ph type="title"/>
+          </p:nvPr>
+        </p:nvSpPr>
+        <p:spPr/>
+        <p:txBody>
+          <a:bodyPr/>
+          <a:lstStyle/>
+          <a:p>
+            <a:r>
+              <a:rPr lang="zh-TW" altLang="en-US" dirty="0"/>
+              <a:t>測試結果</a:t>
+            </a:r>
+            <a:r>
+              <a:rPr lang="en-US" altLang="zh-TW" dirty="0"/>
+              <a:t>(YOLOv4)</a:t>
+            </a:r>
+            <a:endParaRPr lang="zh-TW" altLang="en-US" dirty="0"/>
+          </a:p>
+        </p:txBody>
+      </p:sp>
+      <p:pic>
+        <p:nvPicPr>
+          <p:cNvPr id="5" name="內容版面配置區 4">
+            <a:extLst>
+              <a:ext uri="{FF2B5EF4-FFF2-40B4-BE49-F238E27FC236}">
+                <a16:creationId xmlns:a16="http://schemas.microsoft.com/office/drawing/2014/main" id="{62570502-E1A8-4734-9159-857FF67D3153}"/>
+              </a:ext>
+            </a:extLst>
+          </p:cNvPr>
+          <p:cNvPicPr>
+            <a:picLocks noGrp="1" noChangeAspect="1"/>
+          </p:cNvPicPr>
+          <p:nvPr>
+            <p:ph idx="1"/>
+          </p:nvPr>
+        </p:nvPicPr>
+        <p:blipFill>
+          <a:blip r:embed="rId2"/>
+          <a:stretch>
+            <a:fillRect/>
+          </a:stretch>
+        </p:blipFill>
+        <p:spPr>
+          <a:xfrm>
+            <a:off x="150542" y="2192867"/>
+            <a:ext cx="7277964" cy="3911906"/>
+          </a:xfrm>
+        </p:spPr>
+      </p:pic>
+      <p:pic>
+        <p:nvPicPr>
+          <p:cNvPr id="7" name="圖片 6">
+            <a:extLst>
+              <a:ext uri="{FF2B5EF4-FFF2-40B4-BE49-F238E27FC236}">
+                <a16:creationId xmlns:a16="http://schemas.microsoft.com/office/drawing/2014/main" id="{CE689EE7-2B88-4795-BE16-CD196C4E865B}"/>
+              </a:ext>
+            </a:extLst>
+          </p:cNvPr>
+          <p:cNvPicPr>
+            <a:picLocks noChangeAspect="1"/>
+          </p:cNvPicPr>
+          <p:nvPr/>
+        </p:nvPicPr>
+        <p:blipFill>
+          <a:blip r:embed="rId3"/>
+          <a:stretch>
+            <a:fillRect/>
+          </a:stretch>
+        </p:blipFill>
+        <p:spPr>
+          <a:xfrm>
+            <a:off x="7816591" y="2904067"/>
+            <a:ext cx="3657600" cy="2743200"/>
+          </a:xfrm>
+          <a:prstGeom prst="rect">
+            <a:avLst/>
+          </a:prstGeom>
+        </p:spPr>
+      </p:pic>
+    </p:spTree>
+    <p:extLst>
+      <p:ext uri="{BB962C8B-B14F-4D97-AF65-F5344CB8AC3E}">
+        <p14:creationId xmlns:p14="http://schemas.microsoft.com/office/powerpoint/2010/main" val="1109254223"/>
+      </p:ext>
+    </p:extLst>
+  </p:cSld>
+  <p:clrMapOvr>
+    <a:masterClrMapping/>
+  </p:clrMapOvr>
+</p:sld>
+</file>
+
 <file path=ppt/slides/slide2.xml><?xml version="1.0" encoding="utf-8"?>
 <p:sld xmlns:a="http://schemas.openxmlformats.org/drawingml/2006/main" xmlns:r="http://schemas.openxmlformats.org/officeDocument/2006/relationships" xmlns:p="http://schemas.openxmlformats.org/presentationml/2006/main">
   <p:cSld>
@@ -7864,6 +7993,43 @@
           </a:prstGeom>
         </p:spPr>
       </p:pic>
+      <p:sp>
+        <p:nvSpPr>
+          <p:cNvPr id="3" name="矩形 2">
+            <a:extLst>
+              <a:ext uri="{FF2B5EF4-FFF2-40B4-BE49-F238E27FC236}">
+                <a16:creationId xmlns:a16="http://schemas.microsoft.com/office/drawing/2014/main" id="{0BE35956-DF5C-48D5-9B61-8DDE87DF2DC0}"/>
+              </a:ext>
+            </a:extLst>
+          </p:cNvPr>
+          <p:cNvSpPr/>
+          <p:nvPr/>
+        </p:nvSpPr>
+        <p:spPr>
+          <a:xfrm>
+            <a:off x="1329266" y="5994929"/>
+            <a:ext cx="10430933" cy="646331"/>
+          </a:xfrm>
+          <a:prstGeom prst="rect">
+            <a:avLst/>
+          </a:prstGeom>
+        </p:spPr>
+        <p:txBody>
+          <a:bodyPr wrap="square">
+            <a:spAutoFit/>
+          </a:bodyPr>
+          <a:lstStyle/>
+          <a:p>
+            <a:r>
+              <a:rPr lang="zh-TW" altLang="en-US" dirty="0">
+                <a:hlinkClick r:id="rId4"/>
+              </a:rPr>
+              <a:t>https://medium.com/ching-i/yolo%E6%BC%94%E9%80%B2-3-yolov4%E8%A9%B3%E7%B4%B0%E4%BB%8B%E7%B4%B9-5ab2490754ef</a:t>
+            </a:r>
+            <a:endParaRPr lang="zh-TW" altLang="en-US" dirty="0"/>
+          </a:p>
+        </p:txBody>
+      </p:sp>
     </p:spTree>
     <p:extLst>
       <p:ext uri="{BB962C8B-B14F-4D97-AF65-F5344CB8AC3E}">
@@ -13614,6 +13780,128 @@
     <p:extLst>
       <p:ext uri="{BB962C8B-B14F-4D97-AF65-F5344CB8AC3E}">
         <p14:creationId xmlns:p14="http://schemas.microsoft.com/office/powerpoint/2010/main" val="4112120252"/>
+      </p:ext>
+    </p:extLst>
+  </p:cSld>
+  <p:clrMapOvr>
+    <a:masterClrMapping/>
+  </p:clrMapOvr>
+</p:sld>
+</file>
+
+<file path=ppt/slides/slide9.xml><?xml version="1.0" encoding="utf-8"?>
+<p:sld xmlns:a="http://schemas.openxmlformats.org/drawingml/2006/main" xmlns:r="http://schemas.openxmlformats.org/officeDocument/2006/relationships" xmlns:p="http://schemas.openxmlformats.org/presentationml/2006/main">
+  <p:cSld>
+    <p:spTree>
+      <p:nvGrpSpPr>
+        <p:cNvPr id="1" name=""/>
+        <p:cNvGrpSpPr/>
+        <p:nvPr/>
+      </p:nvGrpSpPr>
+      <p:grpSpPr>
+        <a:xfrm>
+          <a:off x="0" y="0"/>
+          <a:ext cx="0" cy="0"/>
+          <a:chOff x="0" y="0"/>
+          <a:chExt cx="0" cy="0"/>
+        </a:xfrm>
+      </p:grpSpPr>
+      <p:sp>
+        <p:nvSpPr>
+          <p:cNvPr id="2" name="標題 1">
+            <a:extLst>
+              <a:ext uri="{FF2B5EF4-FFF2-40B4-BE49-F238E27FC236}">
+                <a16:creationId xmlns:a16="http://schemas.microsoft.com/office/drawing/2014/main" id="{8BFEB7FB-9648-4581-BD16-F7BBB446B327}"/>
+              </a:ext>
+            </a:extLst>
+          </p:cNvPr>
+          <p:cNvSpPr>
+            <a:spLocks noGrp="1"/>
+          </p:cNvSpPr>
+          <p:nvPr>
+            <p:ph type="title"/>
+          </p:nvPr>
+        </p:nvSpPr>
+        <p:spPr/>
+        <p:txBody>
+          <a:bodyPr/>
+          <a:lstStyle/>
+          <a:p>
+            <a:r>
+              <a:rPr lang="zh-TW" altLang="en-US" dirty="0"/>
+              <a:t>測試結果</a:t>
+            </a:r>
+            <a:r>
+              <a:rPr lang="en-US" altLang="zh-TW" dirty="0"/>
+              <a:t>(YOLOv3)</a:t>
+            </a:r>
+            <a:endParaRPr lang="zh-TW" altLang="en-US" dirty="0"/>
+          </a:p>
+        </p:txBody>
+      </p:sp>
+      <p:pic>
+        <p:nvPicPr>
+          <p:cNvPr id="5" name="內容版面配置區 4">
+            <a:extLst>
+              <a:ext uri="{FF2B5EF4-FFF2-40B4-BE49-F238E27FC236}">
+                <a16:creationId xmlns:a16="http://schemas.microsoft.com/office/drawing/2014/main" id="{62570502-E1A8-4734-9159-857FF67D3153}"/>
+              </a:ext>
+            </a:extLst>
+          </p:cNvPr>
+          <p:cNvPicPr>
+            <a:picLocks noGrp="1" noChangeAspect="1"/>
+          </p:cNvPicPr>
+          <p:nvPr>
+            <p:ph idx="1"/>
+          </p:nvPr>
+        </p:nvPicPr>
+        <p:blipFill>
+          <a:blip r:embed="rId2"/>
+          <a:stretch>
+            <a:fillRect/>
+          </a:stretch>
+        </p:blipFill>
+        <p:spPr>
+          <a:xfrm>
+            <a:off x="150542" y="2192867"/>
+            <a:ext cx="7277965" cy="3911906"/>
+          </a:xfrm>
+        </p:spPr>
+      </p:pic>
+      <p:pic>
+        <p:nvPicPr>
+          <p:cNvPr id="7" name="圖片 6">
+            <a:extLst>
+              <a:ext uri="{FF2B5EF4-FFF2-40B4-BE49-F238E27FC236}">
+                <a16:creationId xmlns:a16="http://schemas.microsoft.com/office/drawing/2014/main" id="{CE689EE7-2B88-4795-BE16-CD196C4E865B}"/>
+              </a:ext>
+            </a:extLst>
+          </p:cNvPr>
+          <p:cNvPicPr>
+            <a:picLocks noChangeAspect="1"/>
+          </p:cNvPicPr>
+          <p:nvPr/>
+        </p:nvPicPr>
+        <p:blipFill>
+          <a:blip r:embed="rId3"/>
+          <a:stretch>
+            <a:fillRect/>
+          </a:stretch>
+        </p:blipFill>
+        <p:spPr>
+          <a:xfrm>
+            <a:off x="7816591" y="2904067"/>
+            <a:ext cx="3657600" cy="2743200"/>
+          </a:xfrm>
+          <a:prstGeom prst="rect">
+            <a:avLst/>
+          </a:prstGeom>
+        </p:spPr>
+      </p:pic>
+    </p:spTree>
+    <p:extLst>
+      <p:ext uri="{BB962C8B-B14F-4D97-AF65-F5344CB8AC3E}">
+        <p14:creationId xmlns:p14="http://schemas.microsoft.com/office/powerpoint/2010/main" val="3693702490"/>
       </p:ext>
     </p:extLst>
   </p:cSld>
